--- a/ИТЗИ/курсач/СЗИ.pptx
+++ b/ИТЗИ/курсач/СЗИ.pptx
@@ -7308,7 +7308,7 @@
           <p:cNvPr id="3" name="Заголовок 2">
             <a:extLst>
               <a:ext uri="{FF2B5EF4-FFF2-40B4-BE49-F238E27FC236}">
-                <a16:creationId xmlns:a16="http://schemas.microsoft.com/office/drawing/2014/main" xmlns="" id="{29FA1C22-89A2-46BB-ABC2-EF26FE03CB75}"/>
+                <a16:creationId xmlns="" xmlns:a16="http://schemas.microsoft.com/office/drawing/2014/main" id="{29FA1C22-89A2-46BB-ABC2-EF26FE03CB75}"/>
               </a:ext>
             </a:extLst>
           </p:cNvPr>
@@ -7421,7 +7421,7 @@
           <p:cNvPr id="2" name="TextBox 1">
             <a:extLst>
               <a:ext uri="{FF2B5EF4-FFF2-40B4-BE49-F238E27FC236}">
-                <a16:creationId xmlns:a16="http://schemas.microsoft.com/office/drawing/2014/main" xmlns="" id="{0C85CFCC-2707-218F-2382-6DB0116F53F8}"/>
+                <a16:creationId xmlns="" xmlns:a16="http://schemas.microsoft.com/office/drawing/2014/main" id="{0C85CFCC-2707-218F-2382-6DB0116F53F8}"/>
               </a:ext>
             </a:extLst>
           </p:cNvPr>
@@ -7524,7 +7524,7 @@
           <p:cNvPr id="5" name="TextBox 4">
             <a:extLst>
               <a:ext uri="{FF2B5EF4-FFF2-40B4-BE49-F238E27FC236}">
-                <a16:creationId xmlns:a16="http://schemas.microsoft.com/office/drawing/2014/main" xmlns="" id="{C8B8B699-A5DD-B4D0-9D0E-D7AB8693F34A}"/>
+                <a16:creationId xmlns="" xmlns:a16="http://schemas.microsoft.com/office/drawing/2014/main" id="{C8B8B699-A5DD-B4D0-9D0E-D7AB8693F34A}"/>
               </a:ext>
             </a:extLst>
           </p:cNvPr>
@@ -7578,7 +7578,7 @@
           <p:cNvPr id="7" name="TextBox 6">
             <a:extLst>
               <a:ext uri="{FF2B5EF4-FFF2-40B4-BE49-F238E27FC236}">
-                <a16:creationId xmlns:a16="http://schemas.microsoft.com/office/drawing/2014/main" xmlns="" id="{751FEB79-CFA6-938F-BB43-711203945B17}"/>
+                <a16:creationId xmlns="" xmlns:a16="http://schemas.microsoft.com/office/drawing/2014/main" id="{751FEB79-CFA6-938F-BB43-711203945B17}"/>
               </a:ext>
             </a:extLst>
           </p:cNvPr>
@@ -7657,7 +7657,7 @@
           <p:cNvPr id="8" name="Прямоугольник 7">
             <a:extLst>
               <a:ext uri="{FF2B5EF4-FFF2-40B4-BE49-F238E27FC236}">
-                <a16:creationId xmlns:a16="http://schemas.microsoft.com/office/drawing/2014/main" xmlns="" id="{D63069D2-03B2-F976-ACA0-B8BC6CE8AF04}"/>
+                <a16:creationId xmlns="" xmlns:a16="http://schemas.microsoft.com/office/drawing/2014/main" id="{D63069D2-03B2-F976-ACA0-B8BC6CE8AF04}"/>
               </a:ext>
             </a:extLst>
           </p:cNvPr>
@@ -7707,7 +7707,7 @@
           <p:cNvPr id="9" name="Прямоугольник 8">
             <a:extLst>
               <a:ext uri="{FF2B5EF4-FFF2-40B4-BE49-F238E27FC236}">
-                <a16:creationId xmlns:a16="http://schemas.microsoft.com/office/drawing/2014/main" xmlns="" id="{F34073A3-0113-3C97-FAE7-E55349A87004}"/>
+                <a16:creationId xmlns="" xmlns:a16="http://schemas.microsoft.com/office/drawing/2014/main" id="{F34073A3-0113-3C97-FAE7-E55349A87004}"/>
               </a:ext>
             </a:extLst>
           </p:cNvPr>
@@ -7772,6 +7772,13 @@
   <p:clrMapOvr>
     <a:masterClrMapping/>
   </p:clrMapOvr>
+  <p:timing>
+    <p:tnLst>
+      <p:par>
+        <p:cTn id="1" dur="indefinite" restart="never" nodeType="tmRoot"/>
+      </p:par>
+    </p:tnLst>
+  </p:timing>
 </p:sld>
 </file>
 
@@ -7937,7 +7944,7 @@
           <p:cNvPr id="2" name="Прямоугольник 1">
             <a:extLst>
               <a:ext uri="{FF2B5EF4-FFF2-40B4-BE49-F238E27FC236}">
-                <a16:creationId xmlns:a16="http://schemas.microsoft.com/office/drawing/2014/main" xmlns="" id="{A91B9D99-95E5-9572-8B40-169766C8E738}"/>
+                <a16:creationId xmlns="" xmlns:a16="http://schemas.microsoft.com/office/drawing/2014/main" id="{A91B9D99-95E5-9572-8B40-169766C8E738}"/>
               </a:ext>
             </a:extLst>
           </p:cNvPr>
@@ -8023,7 +8030,7 @@
           <p:cNvPr id="4" name="TextBox 3">
             <a:extLst>
               <a:ext uri="{FF2B5EF4-FFF2-40B4-BE49-F238E27FC236}">
-                <a16:creationId xmlns:a16="http://schemas.microsoft.com/office/drawing/2014/main" xmlns="" id="{B6555261-9186-B7FE-8475-CD14CBDEE03D}"/>
+                <a16:creationId xmlns="" xmlns:a16="http://schemas.microsoft.com/office/drawing/2014/main" id="{B6555261-9186-B7FE-8475-CD14CBDEE03D}"/>
               </a:ext>
             </a:extLst>
           </p:cNvPr>
@@ -8061,7 +8068,7 @@
           <p:cNvPr id="5" name="Рисунок 4">
             <a:extLst>
               <a:ext uri="{FF2B5EF4-FFF2-40B4-BE49-F238E27FC236}">
-                <a16:creationId xmlns:a16="http://schemas.microsoft.com/office/drawing/2014/main" xmlns="" id="{840DD79F-06A8-CBD5-4F98-BC9430D803FD}"/>
+                <a16:creationId xmlns="" xmlns:a16="http://schemas.microsoft.com/office/drawing/2014/main" id="{840DD79F-06A8-CBD5-4F98-BC9430D803FD}"/>
               </a:ext>
             </a:extLst>
           </p:cNvPr>
@@ -8091,7 +8098,7 @@
           <p:cNvPr id="7" name="TextBox 6">
             <a:extLst>
               <a:ext uri="{FF2B5EF4-FFF2-40B4-BE49-F238E27FC236}">
-                <a16:creationId xmlns:a16="http://schemas.microsoft.com/office/drawing/2014/main" xmlns="" id="{5CE6203D-0B5F-5053-C3B0-7FDD1F7ABC5C}"/>
+                <a16:creationId xmlns="" xmlns:a16="http://schemas.microsoft.com/office/drawing/2014/main" id="{5CE6203D-0B5F-5053-C3B0-7FDD1F7ABC5C}"/>
               </a:ext>
             </a:extLst>
           </p:cNvPr>
@@ -8135,7 +8142,7 @@
           <p:cNvPr id="9" name="TextBox 8">
             <a:extLst>
               <a:ext uri="{FF2B5EF4-FFF2-40B4-BE49-F238E27FC236}">
-                <a16:creationId xmlns:a16="http://schemas.microsoft.com/office/drawing/2014/main" xmlns="" id="{5327FD82-1C7A-BC32-12CF-372B72DA4F52}"/>
+                <a16:creationId xmlns="" xmlns:a16="http://schemas.microsoft.com/office/drawing/2014/main" id="{5327FD82-1C7A-BC32-12CF-372B72DA4F52}"/>
               </a:ext>
             </a:extLst>
           </p:cNvPr>
@@ -8177,7 +8184,7 @@
           <p:cNvPr id="11" name="TextBox 10">
             <a:extLst>
               <a:ext uri="{FF2B5EF4-FFF2-40B4-BE49-F238E27FC236}">
-                <a16:creationId xmlns:a16="http://schemas.microsoft.com/office/drawing/2014/main" xmlns="" id="{DA0DC99E-DB7F-2A63-BB17-135F6D6372D2}"/>
+                <a16:creationId xmlns="" xmlns:a16="http://schemas.microsoft.com/office/drawing/2014/main" id="{DA0DC99E-DB7F-2A63-BB17-135F6D6372D2}"/>
               </a:ext>
             </a:extLst>
           </p:cNvPr>
@@ -8229,6 +8236,13 @@
   <p:clrMapOvr>
     <a:masterClrMapping/>
   </p:clrMapOvr>
+  <p:timing>
+    <p:tnLst>
+      <p:par>
+        <p:cTn id="1" dur="indefinite" restart="never" nodeType="tmRoot"/>
+      </p:par>
+    </p:tnLst>
+  </p:timing>
 </p:sld>
 </file>
 
@@ -8254,7 +8268,7 @@
           <p:cNvPr id="3" name="TextBox 2">
             <a:extLst>
               <a:ext uri="{FF2B5EF4-FFF2-40B4-BE49-F238E27FC236}">
-                <a16:creationId xmlns:a16="http://schemas.microsoft.com/office/drawing/2014/main" xmlns="" id="{08F73148-8266-99AF-6426-2EB7B43BE56A}"/>
+                <a16:creationId xmlns="" xmlns:a16="http://schemas.microsoft.com/office/drawing/2014/main" id="{08F73148-8266-99AF-6426-2EB7B43BE56A}"/>
               </a:ext>
             </a:extLst>
           </p:cNvPr>
@@ -8375,7 +8389,7 @@
           <p:cNvPr id="10" name="Рисунок 9">
             <a:extLst>
               <a:ext uri="{FF2B5EF4-FFF2-40B4-BE49-F238E27FC236}">
-                <a16:creationId xmlns:a16="http://schemas.microsoft.com/office/drawing/2014/main" xmlns="" id="{F0174B41-FC1A-C08D-2086-9184BAE0B748}"/>
+                <a16:creationId xmlns="" xmlns:a16="http://schemas.microsoft.com/office/drawing/2014/main" id="{F0174B41-FC1A-C08D-2086-9184BAE0B748}"/>
               </a:ext>
             </a:extLst>
           </p:cNvPr>
@@ -8411,7 +8425,7 @@
           <p:cNvPr id="5" name="TextBox 4">
             <a:extLst>
               <a:ext uri="{FF2B5EF4-FFF2-40B4-BE49-F238E27FC236}">
-                <a16:creationId xmlns:a16="http://schemas.microsoft.com/office/drawing/2014/main" xmlns="" id="{8315ED4E-E6C1-5CA8-F242-77FC53767914}"/>
+                <a16:creationId xmlns="" xmlns:a16="http://schemas.microsoft.com/office/drawing/2014/main" id="{8315ED4E-E6C1-5CA8-F242-77FC53767914}"/>
               </a:ext>
             </a:extLst>
           </p:cNvPr>
@@ -8456,7 +8470,7 @@
           <p:cNvPr id="7" name="TextBox 6">
             <a:extLst>
               <a:ext uri="{FF2B5EF4-FFF2-40B4-BE49-F238E27FC236}">
-                <a16:creationId xmlns:a16="http://schemas.microsoft.com/office/drawing/2014/main" xmlns="" id="{831FDD3B-A1DD-A97F-6024-8A4BC007BC1B}"/>
+                <a16:creationId xmlns="" xmlns:a16="http://schemas.microsoft.com/office/drawing/2014/main" id="{831FDD3B-A1DD-A97F-6024-8A4BC007BC1B}"/>
               </a:ext>
             </a:extLst>
           </p:cNvPr>
@@ -8603,6 +8617,13 @@
   <p:clrMapOvr>
     <a:masterClrMapping/>
   </p:clrMapOvr>
+  <p:timing>
+    <p:tnLst>
+      <p:par>
+        <p:cTn id="1" dur="indefinite" restart="never" nodeType="tmRoot"/>
+      </p:par>
+    </p:tnLst>
+  </p:timing>
 </p:sld>
 </file>
 
@@ -8628,7 +8649,7 @@
           <p:cNvPr id="2" name="TextBox 1">
             <a:extLst>
               <a:ext uri="{FF2B5EF4-FFF2-40B4-BE49-F238E27FC236}">
-                <a16:creationId xmlns:a16="http://schemas.microsoft.com/office/drawing/2014/main" xmlns="" id="{771C4F5E-2052-6E13-C794-F3CB84602B7A}"/>
+                <a16:creationId xmlns="" xmlns:a16="http://schemas.microsoft.com/office/drawing/2014/main" id="{771C4F5E-2052-6E13-C794-F3CB84602B7A}"/>
               </a:ext>
             </a:extLst>
           </p:cNvPr>
@@ -8693,7 +8714,7 @@
           <p:cNvPr id="4" name="TextBox 3">
             <a:extLst>
               <a:ext uri="{FF2B5EF4-FFF2-40B4-BE49-F238E27FC236}">
-                <a16:creationId xmlns:a16="http://schemas.microsoft.com/office/drawing/2014/main" xmlns="" id="{49703A81-EA85-B0CD-D238-487A20443FC3}"/>
+                <a16:creationId xmlns="" xmlns:a16="http://schemas.microsoft.com/office/drawing/2014/main" id="{49703A81-EA85-B0CD-D238-487A20443FC3}"/>
               </a:ext>
             </a:extLst>
           </p:cNvPr>
@@ -8733,7 +8754,7 @@
           <p:cNvPr id="6" name="TextBox 5">
             <a:extLst>
               <a:ext uri="{FF2B5EF4-FFF2-40B4-BE49-F238E27FC236}">
-                <a16:creationId xmlns:a16="http://schemas.microsoft.com/office/drawing/2014/main" xmlns="" id="{0D1B7150-8A99-FDAB-DF64-D29F6CFD0E23}"/>
+                <a16:creationId xmlns="" xmlns:a16="http://schemas.microsoft.com/office/drawing/2014/main" id="{0D1B7150-8A99-FDAB-DF64-D29F6CFD0E23}"/>
               </a:ext>
             </a:extLst>
           </p:cNvPr>
@@ -8786,7 +8807,7 @@
           <p:cNvPr id="7" name="Рисунок 6">
             <a:extLst>
               <a:ext uri="{FF2B5EF4-FFF2-40B4-BE49-F238E27FC236}">
-                <a16:creationId xmlns:a16="http://schemas.microsoft.com/office/drawing/2014/main" xmlns="" id="{A0214054-8467-9F0E-36CD-AC8E5962F60D}"/>
+                <a16:creationId xmlns="" xmlns:a16="http://schemas.microsoft.com/office/drawing/2014/main" id="{A0214054-8467-9F0E-36CD-AC8E5962F60D}"/>
               </a:ext>
             </a:extLst>
           </p:cNvPr>
@@ -8833,6 +8854,13 @@
   <p:clrMapOvr>
     <a:masterClrMapping/>
   </p:clrMapOvr>
+  <p:timing>
+    <p:tnLst>
+      <p:par>
+        <p:cTn id="1" dur="indefinite" restart="never" nodeType="tmRoot"/>
+      </p:par>
+    </p:tnLst>
+  </p:timing>
 </p:sld>
 </file>
 
@@ -8858,7 +8886,7 @@
           <p:cNvPr id="2" name="TextBox 1">
             <a:extLst>
               <a:ext uri="{FF2B5EF4-FFF2-40B4-BE49-F238E27FC236}">
-                <a16:creationId xmlns:a16="http://schemas.microsoft.com/office/drawing/2014/main" xmlns="" id="{14CA6F08-B77D-82D6-C44F-97F180DC8DAB}"/>
+                <a16:creationId xmlns="" xmlns:a16="http://schemas.microsoft.com/office/drawing/2014/main" id="{14CA6F08-B77D-82D6-C44F-97F180DC8DAB}"/>
               </a:ext>
             </a:extLst>
           </p:cNvPr>
@@ -8923,7 +8951,7 @@
           <p:cNvPr id="4" name="TextBox 3">
             <a:extLst>
               <a:ext uri="{FF2B5EF4-FFF2-40B4-BE49-F238E27FC236}">
-                <a16:creationId xmlns:a16="http://schemas.microsoft.com/office/drawing/2014/main" xmlns="" id="{A9AD7AAD-972C-E389-B688-F45D4DFCA082}"/>
+                <a16:creationId xmlns="" xmlns:a16="http://schemas.microsoft.com/office/drawing/2014/main" id="{A9AD7AAD-972C-E389-B688-F45D4DFCA082}"/>
               </a:ext>
             </a:extLst>
           </p:cNvPr>
@@ -8992,6 +9020,13 @@
   <p:clrMapOvr>
     <a:masterClrMapping/>
   </p:clrMapOvr>
+  <p:timing>
+    <p:tnLst>
+      <p:par>
+        <p:cTn id="1" dur="indefinite" restart="never" nodeType="tmRoot"/>
+      </p:par>
+    </p:tnLst>
+  </p:timing>
 </p:sld>
 </file>
 
@@ -9017,7 +9052,7 @@
           <p:cNvPr id="2" name="TextBox 1">
             <a:extLst>
               <a:ext uri="{FF2B5EF4-FFF2-40B4-BE49-F238E27FC236}">
-                <a16:creationId xmlns:a16="http://schemas.microsoft.com/office/drawing/2014/main" xmlns="" id="{714FDF80-DAF1-C8D2-0E44-EE98C23F01D8}"/>
+                <a16:creationId xmlns="" xmlns:a16="http://schemas.microsoft.com/office/drawing/2014/main" id="{714FDF80-DAF1-C8D2-0E44-EE98C23F01D8}"/>
               </a:ext>
             </a:extLst>
           </p:cNvPr>
@@ -9082,7 +9117,7 @@
           <p:cNvPr id="4" name="TextBox 3">
             <a:extLst>
               <a:ext uri="{FF2B5EF4-FFF2-40B4-BE49-F238E27FC236}">
-                <a16:creationId xmlns:a16="http://schemas.microsoft.com/office/drawing/2014/main" xmlns="" id="{1B45BF30-A9E1-2E2C-2F19-7456F6875F47}"/>
+                <a16:creationId xmlns="" xmlns:a16="http://schemas.microsoft.com/office/drawing/2014/main" id="{1B45BF30-A9E1-2E2C-2F19-7456F6875F47}"/>
               </a:ext>
             </a:extLst>
           </p:cNvPr>
@@ -9127,7 +9162,7 @@
           <p:cNvPr id="6" name="TextBox 5">
             <a:extLst>
               <a:ext uri="{FF2B5EF4-FFF2-40B4-BE49-F238E27FC236}">
-                <a16:creationId xmlns:a16="http://schemas.microsoft.com/office/drawing/2014/main" xmlns="" id="{B7EF6DEF-8B91-B432-2BA2-FB72750DC902}"/>
+                <a16:creationId xmlns="" xmlns:a16="http://schemas.microsoft.com/office/drawing/2014/main" id="{B7EF6DEF-8B91-B432-2BA2-FB72750DC902}"/>
               </a:ext>
             </a:extLst>
           </p:cNvPr>
@@ -9193,6 +9228,13 @@
   <p:clrMapOvr>
     <a:masterClrMapping/>
   </p:clrMapOvr>
+  <p:timing>
+    <p:tnLst>
+      <p:par>
+        <p:cTn id="1" dur="indefinite" restart="never" nodeType="tmRoot"/>
+      </p:par>
+    </p:tnLst>
+  </p:timing>
 </p:sld>
 </file>
 
@@ -9218,7 +9260,7 @@
           <p:cNvPr id="2" name="TextBox 1">
             <a:extLst>
               <a:ext uri="{FF2B5EF4-FFF2-40B4-BE49-F238E27FC236}">
-                <a16:creationId xmlns:a16="http://schemas.microsoft.com/office/drawing/2014/main" xmlns="" id="{82F2C3F1-CB16-E616-B4FE-DF73A34238D5}"/>
+                <a16:creationId xmlns="" xmlns:a16="http://schemas.microsoft.com/office/drawing/2014/main" id="{82F2C3F1-CB16-E616-B4FE-DF73A34238D5}"/>
               </a:ext>
             </a:extLst>
           </p:cNvPr>
@@ -9283,7 +9325,7 @@
           <p:cNvPr id="4" name="TextBox 3">
             <a:extLst>
               <a:ext uri="{FF2B5EF4-FFF2-40B4-BE49-F238E27FC236}">
-                <a16:creationId xmlns:a16="http://schemas.microsoft.com/office/drawing/2014/main" xmlns="" id="{D8197D52-DBE6-319B-FB19-406640B968CB}"/>
+                <a16:creationId xmlns="" xmlns:a16="http://schemas.microsoft.com/office/drawing/2014/main" id="{D8197D52-DBE6-319B-FB19-406640B968CB}"/>
               </a:ext>
             </a:extLst>
           </p:cNvPr>
@@ -9388,7 +9430,7 @@
           <p:cNvPr id="6" name="TextBox 5">
             <a:extLst>
               <a:ext uri="{FF2B5EF4-FFF2-40B4-BE49-F238E27FC236}">
-                <a16:creationId xmlns:a16="http://schemas.microsoft.com/office/drawing/2014/main" xmlns="" id="{032DE9FD-E447-C696-A960-8DA12A9706C2}"/>
+                <a16:creationId xmlns="" xmlns:a16="http://schemas.microsoft.com/office/drawing/2014/main" id="{032DE9FD-E447-C696-A960-8DA12A9706C2}"/>
               </a:ext>
             </a:extLst>
           </p:cNvPr>
@@ -9433,6 +9475,13 @@
   <p:clrMapOvr>
     <a:masterClrMapping/>
   </p:clrMapOvr>
+  <p:timing>
+    <p:tnLst>
+      <p:par>
+        <p:cTn id="1" dur="indefinite" restart="never" nodeType="tmRoot"/>
+      </p:par>
+    </p:tnLst>
+  </p:timing>
 </p:sld>
 </file>
 
@@ -9458,7 +9507,7 @@
           <p:cNvPr id="2" name="TextBox 1">
             <a:extLst>
               <a:ext uri="{FF2B5EF4-FFF2-40B4-BE49-F238E27FC236}">
-                <a16:creationId xmlns:a16="http://schemas.microsoft.com/office/drawing/2014/main" xmlns="" id="{19723270-56E2-17AE-DB16-64F5CB8B20AF}"/>
+                <a16:creationId xmlns="" xmlns:a16="http://schemas.microsoft.com/office/drawing/2014/main" id="{19723270-56E2-17AE-DB16-64F5CB8B20AF}"/>
               </a:ext>
             </a:extLst>
           </p:cNvPr>
@@ -9523,7 +9572,7 @@
           <p:cNvPr id="4" name="TextBox 3">
             <a:extLst>
               <a:ext uri="{FF2B5EF4-FFF2-40B4-BE49-F238E27FC236}">
-                <a16:creationId xmlns:a16="http://schemas.microsoft.com/office/drawing/2014/main" xmlns="" id="{6DF53B46-B616-D9C3-1714-7ABB1D4FF62F}"/>
+                <a16:creationId xmlns="" xmlns:a16="http://schemas.microsoft.com/office/drawing/2014/main" id="{6DF53B46-B616-D9C3-1714-7ABB1D4FF62F}"/>
               </a:ext>
             </a:extLst>
           </p:cNvPr>
@@ -9616,7 +9665,7 @@
           <p:cNvPr id="6" name="TextBox 5">
             <a:extLst>
               <a:ext uri="{FF2B5EF4-FFF2-40B4-BE49-F238E27FC236}">
-                <a16:creationId xmlns:a16="http://schemas.microsoft.com/office/drawing/2014/main" xmlns="" id="{4B072D56-D4FB-C1A1-F105-31BDE5FDA962}"/>
+                <a16:creationId xmlns="" xmlns:a16="http://schemas.microsoft.com/office/drawing/2014/main" id="{4B072D56-D4FB-C1A1-F105-31BDE5FDA962}"/>
               </a:ext>
             </a:extLst>
           </p:cNvPr>
@@ -9666,6 +9715,13 @@
   <p:clrMapOvr>
     <a:masterClrMapping/>
   </p:clrMapOvr>
+  <p:timing>
+    <p:tnLst>
+      <p:par>
+        <p:cTn id="1" dur="indefinite" restart="never" nodeType="tmRoot"/>
+      </p:par>
+    </p:tnLst>
+  </p:timing>
 </p:sld>
 </file>
 
@@ -9794,7 +9850,7 @@
           <p:cNvPr id="3" name="TextBox 2">
             <a:extLst>
               <a:ext uri="{FF2B5EF4-FFF2-40B4-BE49-F238E27FC236}">
-                <a16:creationId xmlns:a16="http://schemas.microsoft.com/office/drawing/2014/main" xmlns="" id="{25F0F6A8-1C0A-8973-22B9-29B2FB9B2F2F}"/>
+                <a16:creationId xmlns="" xmlns:a16="http://schemas.microsoft.com/office/drawing/2014/main" id="{25F0F6A8-1C0A-8973-22B9-29B2FB9B2F2F}"/>
               </a:ext>
             </a:extLst>
           </p:cNvPr>
@@ -9859,7 +9915,7 @@
           <p:cNvPr id="4" name="TextBox 3">
             <a:extLst>
               <a:ext uri="{FF2B5EF4-FFF2-40B4-BE49-F238E27FC236}">
-                <a16:creationId xmlns:a16="http://schemas.microsoft.com/office/drawing/2014/main" xmlns="" id="{92B0E3CF-0EC1-A1E3-9173-82CFF192D967}"/>
+                <a16:creationId xmlns="" xmlns:a16="http://schemas.microsoft.com/office/drawing/2014/main" id="{92B0E3CF-0EC1-A1E3-9173-82CFF192D967}"/>
               </a:ext>
             </a:extLst>
           </p:cNvPr>
